--- a/06. React/intro.pptx
+++ b/06. React/intro.pptx
@@ -5,7 +5,7 @@
     <p:sldMasterId id="2147483648" r:id="rId1"/>
   </p:sldMasterIdLst>
   <p:notesMasterIdLst>
-    <p:notesMasterId r:id="rId16"/>
+    <p:notesMasterId r:id="rId18"/>
   </p:notesMasterIdLst>
   <p:sldIdLst>
     <p:sldId id="256" r:id="rId2"/>
@@ -18,10 +18,12 @@
     <p:sldId id="268" r:id="rId9"/>
     <p:sldId id="262" r:id="rId10"/>
     <p:sldId id="260" r:id="rId11"/>
-    <p:sldId id="264" r:id="rId12"/>
-    <p:sldId id="261" r:id="rId13"/>
-    <p:sldId id="265" r:id="rId14"/>
-    <p:sldId id="269" r:id="rId15"/>
+    <p:sldId id="270" r:id="rId12"/>
+    <p:sldId id="264" r:id="rId13"/>
+    <p:sldId id="261" r:id="rId14"/>
+    <p:sldId id="271" r:id="rId15"/>
+    <p:sldId id="265" r:id="rId16"/>
+    <p:sldId id="269" r:id="rId17"/>
   </p:sldIdLst>
   <p:sldSz cx="12192000" cy="6858000"/>
   <p:notesSz cx="6858000" cy="9144000"/>
@@ -210,7 +212,7 @@
           <a:p>
             <a:fld id="{9B6CEDBD-ABD0-4F11-BCD4-52A10CCACC27}" type="datetimeFigureOut">
               <a:rPr lang="en-US" smtClean="0"/>
-              <a:t>12/25/2020</a:t>
+              <a:t>12/28/2020</a:t>
             </a:fld>
             <a:endParaRPr lang="en-US"/>
           </a:p>
@@ -542,7 +544,91 @@
           <a:p>
             <a:fld id="{3D7C55BA-72B2-43C7-83F1-9F5AD4D380A4}" type="slidenum">
               <a:rPr lang="en-US" smtClean="0"/>
-              <a:t>13</a:t>
+              <a:t>10</a:t>
+            </a:fld>
+            <a:endParaRPr lang="en-US"/>
+          </a:p>
+        </p:txBody>
+      </p:sp>
+    </p:spTree>
+    <p:extLst>
+      <p:ext uri="{BB962C8B-B14F-4D97-AF65-F5344CB8AC3E}">
+        <p14:creationId xmlns:p14="http://schemas.microsoft.com/office/powerpoint/2010/main" val="3442299722"/>
+      </p:ext>
+    </p:extLst>
+  </p:cSld>
+  <p:clrMapOvr>
+    <a:masterClrMapping/>
+  </p:clrMapOvr>
+</p:notes>
+</file>
+
+<file path=ppt/notesSlides/notesSlide2.xml><?xml version="1.0" encoding="utf-8"?>
+<p:notes xmlns:a="http://schemas.openxmlformats.org/drawingml/2006/main" xmlns:r="http://schemas.openxmlformats.org/officeDocument/2006/relationships" xmlns:p="http://schemas.openxmlformats.org/presentationml/2006/main">
+  <p:cSld>
+    <p:spTree>
+      <p:nvGrpSpPr>
+        <p:cNvPr id="1" name=""/>
+        <p:cNvGrpSpPr/>
+        <p:nvPr/>
+      </p:nvGrpSpPr>
+      <p:grpSpPr>
+        <a:xfrm>
+          <a:off x="0" y="0"/>
+          <a:ext cx="0" cy="0"/>
+          <a:chOff x="0" y="0"/>
+          <a:chExt cx="0" cy="0"/>
+        </a:xfrm>
+      </p:grpSpPr>
+      <p:sp>
+        <p:nvSpPr>
+          <p:cNvPr id="2" name="Slide Image Placeholder 1"/>
+          <p:cNvSpPr>
+            <a:spLocks noGrp="1" noRot="1" noChangeAspect="1"/>
+          </p:cNvSpPr>
+          <p:nvPr>
+            <p:ph type="sldImg"/>
+          </p:nvPr>
+        </p:nvSpPr>
+        <p:spPr/>
+      </p:sp>
+      <p:sp>
+        <p:nvSpPr>
+          <p:cNvPr id="3" name="Notes Placeholder 2"/>
+          <p:cNvSpPr>
+            <a:spLocks noGrp="1"/>
+          </p:cNvSpPr>
+          <p:nvPr>
+            <p:ph type="body" idx="1"/>
+          </p:nvPr>
+        </p:nvSpPr>
+        <p:spPr/>
+        <p:txBody>
+          <a:bodyPr/>
+          <a:lstStyle/>
+          <a:p>
+            <a:endParaRPr lang="en-US" dirty="0"/>
+          </a:p>
+        </p:txBody>
+      </p:sp>
+      <p:sp>
+        <p:nvSpPr>
+          <p:cNvPr id="4" name="Slide Number Placeholder 3"/>
+          <p:cNvSpPr>
+            <a:spLocks noGrp="1"/>
+          </p:cNvSpPr>
+          <p:nvPr>
+            <p:ph type="sldNum" sz="quarter" idx="5"/>
+          </p:nvPr>
+        </p:nvSpPr>
+        <p:spPr/>
+        <p:txBody>
+          <a:bodyPr/>
+          <a:lstStyle/>
+          <a:p>
+            <a:fld id="{3D7C55BA-72B2-43C7-83F1-9F5AD4D380A4}" type="slidenum">
+              <a:rPr lang="en-US" smtClean="0"/>
+              <a:t>15</a:t>
             </a:fld>
             <a:endParaRPr lang="en-US"/>
           </a:p>
@@ -708,7 +794,7 @@
           <a:p>
             <a:fld id="{1D246110-1AFE-46FC-81E2-1EBF9B394E7D}" type="datetimeFigureOut">
               <a:rPr lang="en-US" smtClean="0"/>
-              <a:t>12/25/2020</a:t>
+              <a:t>12/28/2020</a:t>
             </a:fld>
             <a:endParaRPr lang="en-US"/>
           </a:p>
@@ -906,7 +992,7 @@
           <a:p>
             <a:fld id="{1D246110-1AFE-46FC-81E2-1EBF9B394E7D}" type="datetimeFigureOut">
               <a:rPr lang="en-US" smtClean="0"/>
-              <a:t>12/25/2020</a:t>
+              <a:t>12/28/2020</a:t>
             </a:fld>
             <a:endParaRPr lang="en-US"/>
           </a:p>
@@ -1114,7 +1200,7 @@
           <a:p>
             <a:fld id="{1D246110-1AFE-46FC-81E2-1EBF9B394E7D}" type="datetimeFigureOut">
               <a:rPr lang="en-US" smtClean="0"/>
-              <a:t>12/25/2020</a:t>
+              <a:t>12/28/2020</a:t>
             </a:fld>
             <a:endParaRPr lang="en-US"/>
           </a:p>
@@ -1312,7 +1398,7 @@
           <a:p>
             <a:fld id="{1D246110-1AFE-46FC-81E2-1EBF9B394E7D}" type="datetimeFigureOut">
               <a:rPr lang="en-US" smtClean="0"/>
-              <a:t>12/25/2020</a:t>
+              <a:t>12/28/2020</a:t>
             </a:fld>
             <a:endParaRPr lang="en-US"/>
           </a:p>
@@ -1587,7 +1673,7 @@
           <a:p>
             <a:fld id="{1D246110-1AFE-46FC-81E2-1EBF9B394E7D}" type="datetimeFigureOut">
               <a:rPr lang="en-US" smtClean="0"/>
-              <a:t>12/25/2020</a:t>
+              <a:t>12/28/2020</a:t>
             </a:fld>
             <a:endParaRPr lang="en-US"/>
           </a:p>
@@ -1852,7 +1938,7 @@
           <a:p>
             <a:fld id="{1D246110-1AFE-46FC-81E2-1EBF9B394E7D}" type="datetimeFigureOut">
               <a:rPr lang="en-US" smtClean="0"/>
-              <a:t>12/25/2020</a:t>
+              <a:t>12/28/2020</a:t>
             </a:fld>
             <a:endParaRPr lang="en-US"/>
           </a:p>
@@ -2264,7 +2350,7 @@
           <a:p>
             <a:fld id="{1D246110-1AFE-46FC-81E2-1EBF9B394E7D}" type="datetimeFigureOut">
               <a:rPr lang="en-US" smtClean="0"/>
-              <a:t>12/25/2020</a:t>
+              <a:t>12/28/2020</a:t>
             </a:fld>
             <a:endParaRPr lang="en-US"/>
           </a:p>
@@ -2405,7 +2491,7 @@
           <a:p>
             <a:fld id="{1D246110-1AFE-46FC-81E2-1EBF9B394E7D}" type="datetimeFigureOut">
               <a:rPr lang="en-US" smtClean="0"/>
-              <a:t>12/25/2020</a:t>
+              <a:t>12/28/2020</a:t>
             </a:fld>
             <a:endParaRPr lang="en-US"/>
           </a:p>
@@ -2518,7 +2604,7 @@
           <a:p>
             <a:fld id="{1D246110-1AFE-46FC-81E2-1EBF9B394E7D}" type="datetimeFigureOut">
               <a:rPr lang="en-US" smtClean="0"/>
-              <a:t>12/25/2020</a:t>
+              <a:t>12/28/2020</a:t>
             </a:fld>
             <a:endParaRPr lang="en-US"/>
           </a:p>
@@ -2829,7 +2915,7 @@
           <a:p>
             <a:fld id="{1D246110-1AFE-46FC-81E2-1EBF9B394E7D}" type="datetimeFigureOut">
               <a:rPr lang="en-US" smtClean="0"/>
-              <a:t>12/25/2020</a:t>
+              <a:t>12/28/2020</a:t>
             </a:fld>
             <a:endParaRPr lang="en-US"/>
           </a:p>
@@ -3117,7 +3203,7 @@
           <a:p>
             <a:fld id="{1D246110-1AFE-46FC-81E2-1EBF9B394E7D}" type="datetimeFigureOut">
               <a:rPr lang="en-US" smtClean="0"/>
-              <a:t>12/25/2020</a:t>
+              <a:t>12/28/2020</a:t>
             </a:fld>
             <a:endParaRPr lang="en-US"/>
           </a:p>
@@ -3358,7 +3444,7 @@
           <a:p>
             <a:fld id="{1D246110-1AFE-46FC-81E2-1EBF9B394E7D}" type="datetimeFigureOut">
               <a:rPr lang="en-US" smtClean="0"/>
-              <a:t>12/25/2020</a:t>
+              <a:t>12/28/2020</a:t>
             </a:fld>
             <a:endParaRPr lang="en-US"/>
           </a:p>
@@ -3885,56 +3971,6 @@
           <a:chExt cx="0" cy="0"/>
         </a:xfrm>
       </p:grpSpPr>
-      <p:sp>
-        <p:nvSpPr>
-          <p:cNvPr id="2" name="Title 1">
-            <a:extLst>
-              <a:ext uri="{FF2B5EF4-FFF2-40B4-BE49-F238E27FC236}">
-                <a16:creationId xmlns:a16="http://schemas.microsoft.com/office/drawing/2014/main" id="{BF8E536E-3425-40F7-9B39-18F50DAB3FED}"/>
-              </a:ext>
-            </a:extLst>
-          </p:cNvPr>
-          <p:cNvSpPr>
-            <a:spLocks noGrp="1"/>
-          </p:cNvSpPr>
-          <p:nvPr>
-            <p:ph type="title"/>
-          </p:nvPr>
-        </p:nvSpPr>
-        <p:spPr/>
-        <p:txBody>
-          <a:bodyPr/>
-          <a:lstStyle/>
-          <a:p>
-            <a:endParaRPr lang="en-US"/>
-          </a:p>
-        </p:txBody>
-      </p:sp>
-      <p:sp>
-        <p:nvSpPr>
-          <p:cNvPr id="3" name="Content Placeholder 2">
-            <a:extLst>
-              <a:ext uri="{FF2B5EF4-FFF2-40B4-BE49-F238E27FC236}">
-                <a16:creationId xmlns:a16="http://schemas.microsoft.com/office/drawing/2014/main" id="{4628695F-D735-4288-B3A1-5E9BD12886AB}"/>
-              </a:ext>
-            </a:extLst>
-          </p:cNvPr>
-          <p:cNvSpPr>
-            <a:spLocks noGrp="1"/>
-          </p:cNvSpPr>
-          <p:nvPr>
-            <p:ph idx="1"/>
-          </p:nvPr>
-        </p:nvSpPr>
-        <p:spPr/>
-        <p:txBody>
-          <a:bodyPr/>
-          <a:lstStyle/>
-          <a:p>
-            <a:endParaRPr lang="en-US"/>
-          </a:p>
-        </p:txBody>
-      </p:sp>
       <p:pic>
         <p:nvPicPr>
           <p:cNvPr id="4" name="Picture 3">
@@ -3950,15 +3986,45 @@
           <p:nvPr/>
         </p:nvPicPr>
         <p:blipFill>
-          <a:blip r:embed="rId2"/>
+          <a:blip r:embed="rId3"/>
           <a:stretch>
             <a:fillRect/>
           </a:stretch>
         </p:blipFill>
         <p:spPr>
           <a:xfrm>
-            <a:off x="0" y="185100"/>
+            <a:off x="0" y="-321113"/>
             <a:ext cx="12192000" cy="6307775"/>
+          </a:xfrm>
+          <a:prstGeom prst="rect">
+            <a:avLst/>
+          </a:prstGeom>
+        </p:spPr>
+      </p:pic>
+      <p:pic>
+        <p:nvPicPr>
+          <p:cNvPr id="5" name="Picture 4">
+            <a:extLst>
+              <a:ext uri="{FF2B5EF4-FFF2-40B4-BE49-F238E27FC236}">
+                <a16:creationId xmlns:a16="http://schemas.microsoft.com/office/drawing/2014/main" id="{E5E7D9BB-1A41-4857-9E81-66466162E852}"/>
+              </a:ext>
+            </a:extLst>
+          </p:cNvPr>
+          <p:cNvPicPr>
+            <a:picLocks noChangeAspect="1"/>
+          </p:cNvPicPr>
+          <p:nvPr/>
+        </p:nvPicPr>
+        <p:blipFill>
+          <a:blip r:embed="rId4"/>
+          <a:stretch>
+            <a:fillRect/>
+          </a:stretch>
+        </p:blipFill>
+        <p:spPr>
+          <a:xfrm>
+            <a:off x="3124200" y="4210050"/>
+            <a:ext cx="9067800" cy="2647950"/>
           </a:xfrm>
           <a:prstGeom prst="rect">
             <a:avLst/>
@@ -4000,6 +4066,66 @@
           <p:cNvPr id="4" name="Picture 3">
             <a:extLst>
               <a:ext uri="{FF2B5EF4-FFF2-40B4-BE49-F238E27FC236}">
+                <a16:creationId xmlns:a16="http://schemas.microsoft.com/office/drawing/2014/main" id="{91A44EFC-BB49-4FD4-9CDB-A16E24A554EF}"/>
+              </a:ext>
+            </a:extLst>
+          </p:cNvPr>
+          <p:cNvPicPr>
+            <a:picLocks noChangeAspect="1"/>
+          </p:cNvPicPr>
+          <p:nvPr/>
+        </p:nvPicPr>
+        <p:blipFill>
+          <a:blip r:embed="rId2"/>
+          <a:stretch>
+            <a:fillRect/>
+          </a:stretch>
+        </p:blipFill>
+        <p:spPr>
+          <a:xfrm>
+            <a:off x="2057680" y="0"/>
+            <a:ext cx="8076640" cy="6858000"/>
+          </a:xfrm>
+          <a:prstGeom prst="rect">
+            <a:avLst/>
+          </a:prstGeom>
+        </p:spPr>
+      </p:pic>
+    </p:spTree>
+    <p:extLst>
+      <p:ext uri="{BB962C8B-B14F-4D97-AF65-F5344CB8AC3E}">
+        <p14:creationId xmlns:p14="http://schemas.microsoft.com/office/powerpoint/2010/main" val="3378877587"/>
+      </p:ext>
+    </p:extLst>
+  </p:cSld>
+  <p:clrMapOvr>
+    <a:masterClrMapping/>
+  </p:clrMapOvr>
+</p:sld>
+</file>
+
+<file path=ppt/slides/slide12.xml><?xml version="1.0" encoding="utf-8"?>
+<p:sld xmlns:a="http://schemas.openxmlformats.org/drawingml/2006/main" xmlns:r="http://schemas.openxmlformats.org/officeDocument/2006/relationships" xmlns:p="http://schemas.openxmlformats.org/presentationml/2006/main">
+  <p:cSld>
+    <p:spTree>
+      <p:nvGrpSpPr>
+        <p:cNvPr id="1" name=""/>
+        <p:cNvGrpSpPr/>
+        <p:nvPr/>
+      </p:nvGrpSpPr>
+      <p:grpSpPr>
+        <a:xfrm>
+          <a:off x="0" y="0"/>
+          <a:ext cx="0" cy="0"/>
+          <a:chOff x="0" y="0"/>
+          <a:chExt cx="0" cy="0"/>
+        </a:xfrm>
+      </p:grpSpPr>
+      <p:pic>
+        <p:nvPicPr>
+          <p:cNvPr id="4" name="Picture 3">
+            <a:extLst>
+              <a:ext uri="{FF2B5EF4-FFF2-40B4-BE49-F238E27FC236}">
                 <a16:creationId xmlns:a16="http://schemas.microsoft.com/office/drawing/2014/main" id="{903FAEE5-3363-4F5D-A51C-94F7BDD47AB4}"/>
               </a:ext>
             </a:extLst>
@@ -4038,7 +4164,7 @@
 </p:sld>
 </file>
 
-<file path=ppt/slides/slide12.xml><?xml version="1.0" encoding="utf-8"?>
+<file path=ppt/slides/slide13.xml><?xml version="1.0" encoding="utf-8"?>
 <p:sld xmlns:a="http://schemas.openxmlformats.org/drawingml/2006/main" xmlns:r="http://schemas.openxmlformats.org/officeDocument/2006/relationships" xmlns:p="http://schemas.openxmlformats.org/presentationml/2006/main">
   <p:cSld>
     <p:spTree>
@@ -4098,7 +4224,97 @@
 </p:sld>
 </file>
 
-<file path=ppt/slides/slide13.xml><?xml version="1.0" encoding="utf-8"?>
+<file path=ppt/slides/slide14.xml><?xml version="1.0" encoding="utf-8"?>
+<p:sld xmlns:a="http://schemas.openxmlformats.org/drawingml/2006/main" xmlns:r="http://schemas.openxmlformats.org/officeDocument/2006/relationships" xmlns:p="http://schemas.openxmlformats.org/presentationml/2006/main">
+  <p:cSld>
+    <p:spTree>
+      <p:nvGrpSpPr>
+        <p:cNvPr id="1" name=""/>
+        <p:cNvGrpSpPr/>
+        <p:nvPr/>
+      </p:nvGrpSpPr>
+      <p:grpSpPr>
+        <a:xfrm>
+          <a:off x="0" y="0"/>
+          <a:ext cx="0" cy="0"/>
+          <a:chOff x="0" y="0"/>
+          <a:chExt cx="0" cy="0"/>
+        </a:xfrm>
+      </p:grpSpPr>
+      <p:pic>
+        <p:nvPicPr>
+          <p:cNvPr id="5" name="Picture 4">
+            <a:extLst>
+              <a:ext uri="{FF2B5EF4-FFF2-40B4-BE49-F238E27FC236}">
+                <a16:creationId xmlns:a16="http://schemas.microsoft.com/office/drawing/2014/main" id="{21E50737-A06A-413B-A3AC-29960B90F302}"/>
+              </a:ext>
+            </a:extLst>
+          </p:cNvPr>
+          <p:cNvPicPr>
+            <a:picLocks noChangeAspect="1"/>
+          </p:cNvPicPr>
+          <p:nvPr/>
+        </p:nvPicPr>
+        <p:blipFill>
+          <a:blip r:embed="rId2"/>
+          <a:stretch>
+            <a:fillRect/>
+          </a:stretch>
+        </p:blipFill>
+        <p:spPr>
+          <a:xfrm>
+            <a:off x="2143125" y="146753"/>
+            <a:ext cx="7905750" cy="3076575"/>
+          </a:xfrm>
+          <a:prstGeom prst="rect">
+            <a:avLst/>
+          </a:prstGeom>
+        </p:spPr>
+      </p:pic>
+      <p:pic>
+        <p:nvPicPr>
+          <p:cNvPr id="6" name="Picture 5">
+            <a:extLst>
+              <a:ext uri="{FF2B5EF4-FFF2-40B4-BE49-F238E27FC236}">
+                <a16:creationId xmlns:a16="http://schemas.microsoft.com/office/drawing/2014/main" id="{70FFE88F-248F-4675-8C11-6A01A729A1CD}"/>
+              </a:ext>
+            </a:extLst>
+          </p:cNvPr>
+          <p:cNvPicPr>
+            <a:picLocks noChangeAspect="1"/>
+          </p:cNvPicPr>
+          <p:nvPr/>
+        </p:nvPicPr>
+        <p:blipFill>
+          <a:blip r:embed="rId3"/>
+          <a:stretch>
+            <a:fillRect/>
+          </a:stretch>
+        </p:blipFill>
+        <p:spPr>
+          <a:xfrm>
+            <a:off x="1805753" y="3148174"/>
+            <a:ext cx="9172575" cy="3409950"/>
+          </a:xfrm>
+          <a:prstGeom prst="rect">
+            <a:avLst/>
+          </a:prstGeom>
+        </p:spPr>
+      </p:pic>
+    </p:spTree>
+    <p:extLst>
+      <p:ext uri="{BB962C8B-B14F-4D97-AF65-F5344CB8AC3E}">
+        <p14:creationId xmlns:p14="http://schemas.microsoft.com/office/powerpoint/2010/main" val="4141930442"/>
+      </p:ext>
+    </p:extLst>
+  </p:cSld>
+  <p:clrMapOvr>
+    <a:masterClrMapping/>
+  </p:clrMapOvr>
+</p:sld>
+</file>
+
+<file path=ppt/slides/slide15.xml><?xml version="1.0" encoding="utf-8"?>
 <p:sld xmlns:a="http://schemas.openxmlformats.org/drawingml/2006/main" xmlns:r="http://schemas.openxmlformats.org/officeDocument/2006/relationships" xmlns:p="http://schemas.openxmlformats.org/presentationml/2006/main">
   <p:cSld>
     <p:spTree>
@@ -4158,7 +4374,7 @@
 </p:sld>
 </file>
 
-<file path=ppt/slides/slide14.xml><?xml version="1.0" encoding="utf-8"?>
+<file path=ppt/slides/slide16.xml><?xml version="1.0" encoding="utf-8"?>
 <p:sld xmlns:a="http://schemas.openxmlformats.org/drawingml/2006/main" xmlns:r="http://schemas.openxmlformats.org/officeDocument/2006/relationships" xmlns:p="http://schemas.openxmlformats.org/presentationml/2006/main">
   <p:cSld>
     <p:spTree>
@@ -4902,7 +5118,7 @@
         </p:blipFill>
         <p:spPr>
           <a:xfrm>
-            <a:off x="391834" y="0"/>
+            <a:off x="976296" y="0"/>
             <a:ext cx="11408332" cy="6858000"/>
           </a:xfrm>
           <a:prstGeom prst="rect">
@@ -5012,8 +5228,8 @@
         </p:blipFill>
         <p:spPr>
           <a:xfrm>
-            <a:off x="468705" y="0"/>
-            <a:ext cx="11254589" cy="6858000"/>
+            <a:off x="787368" y="0"/>
+            <a:ext cx="11404632" cy="6858000"/>
           </a:xfrm>
           <a:prstGeom prst="rect">
             <a:avLst/>
@@ -5122,8 +5338,8 @@
         </p:blipFill>
         <p:spPr>
           <a:xfrm>
-            <a:off x="633068" y="0"/>
-            <a:ext cx="10925863" cy="6858000"/>
+            <a:off x="641024" y="0"/>
+            <a:ext cx="11123040" cy="6858000"/>
           </a:xfrm>
           <a:prstGeom prst="rect">
             <a:avLst/>

--- a/06. React/intro.pptx
+++ b/06. React/intro.pptx
@@ -212,7 +212,7 @@
           <a:p>
             <a:fld id="{9B6CEDBD-ABD0-4F11-BCD4-52A10CCACC27}" type="datetimeFigureOut">
               <a:rPr lang="en-US" smtClean="0"/>
-              <a:t>12/28/2020</a:t>
+              <a:t>12/29/2020</a:t>
             </a:fld>
             <a:endParaRPr lang="en-US"/>
           </a:p>
@@ -794,7 +794,7 @@
           <a:p>
             <a:fld id="{1D246110-1AFE-46FC-81E2-1EBF9B394E7D}" type="datetimeFigureOut">
               <a:rPr lang="en-US" smtClean="0"/>
-              <a:t>12/28/2020</a:t>
+              <a:t>12/29/2020</a:t>
             </a:fld>
             <a:endParaRPr lang="en-US"/>
           </a:p>
@@ -992,7 +992,7 @@
           <a:p>
             <a:fld id="{1D246110-1AFE-46FC-81E2-1EBF9B394E7D}" type="datetimeFigureOut">
               <a:rPr lang="en-US" smtClean="0"/>
-              <a:t>12/28/2020</a:t>
+              <a:t>12/29/2020</a:t>
             </a:fld>
             <a:endParaRPr lang="en-US"/>
           </a:p>
@@ -1200,7 +1200,7 @@
           <a:p>
             <a:fld id="{1D246110-1AFE-46FC-81E2-1EBF9B394E7D}" type="datetimeFigureOut">
               <a:rPr lang="en-US" smtClean="0"/>
-              <a:t>12/28/2020</a:t>
+              <a:t>12/29/2020</a:t>
             </a:fld>
             <a:endParaRPr lang="en-US"/>
           </a:p>
@@ -1398,7 +1398,7 @@
           <a:p>
             <a:fld id="{1D246110-1AFE-46FC-81E2-1EBF9B394E7D}" type="datetimeFigureOut">
               <a:rPr lang="en-US" smtClean="0"/>
-              <a:t>12/28/2020</a:t>
+              <a:t>12/29/2020</a:t>
             </a:fld>
             <a:endParaRPr lang="en-US"/>
           </a:p>
@@ -1673,7 +1673,7 @@
           <a:p>
             <a:fld id="{1D246110-1AFE-46FC-81E2-1EBF9B394E7D}" type="datetimeFigureOut">
               <a:rPr lang="en-US" smtClean="0"/>
-              <a:t>12/28/2020</a:t>
+              <a:t>12/29/2020</a:t>
             </a:fld>
             <a:endParaRPr lang="en-US"/>
           </a:p>
@@ -1938,7 +1938,7 @@
           <a:p>
             <a:fld id="{1D246110-1AFE-46FC-81E2-1EBF9B394E7D}" type="datetimeFigureOut">
               <a:rPr lang="en-US" smtClean="0"/>
-              <a:t>12/28/2020</a:t>
+              <a:t>12/29/2020</a:t>
             </a:fld>
             <a:endParaRPr lang="en-US"/>
           </a:p>
@@ -2350,7 +2350,7 @@
           <a:p>
             <a:fld id="{1D246110-1AFE-46FC-81E2-1EBF9B394E7D}" type="datetimeFigureOut">
               <a:rPr lang="en-US" smtClean="0"/>
-              <a:t>12/28/2020</a:t>
+              <a:t>12/29/2020</a:t>
             </a:fld>
             <a:endParaRPr lang="en-US"/>
           </a:p>
@@ -2491,7 +2491,7 @@
           <a:p>
             <a:fld id="{1D246110-1AFE-46FC-81E2-1EBF9B394E7D}" type="datetimeFigureOut">
               <a:rPr lang="en-US" smtClean="0"/>
-              <a:t>12/28/2020</a:t>
+              <a:t>12/29/2020</a:t>
             </a:fld>
             <a:endParaRPr lang="en-US"/>
           </a:p>
@@ -2604,7 +2604,7 @@
           <a:p>
             <a:fld id="{1D246110-1AFE-46FC-81E2-1EBF9B394E7D}" type="datetimeFigureOut">
               <a:rPr lang="en-US" smtClean="0"/>
-              <a:t>12/28/2020</a:t>
+              <a:t>12/29/2020</a:t>
             </a:fld>
             <a:endParaRPr lang="en-US"/>
           </a:p>
@@ -2915,7 +2915,7 @@
           <a:p>
             <a:fld id="{1D246110-1AFE-46FC-81E2-1EBF9B394E7D}" type="datetimeFigureOut">
               <a:rPr lang="en-US" smtClean="0"/>
-              <a:t>12/28/2020</a:t>
+              <a:t>12/29/2020</a:t>
             </a:fld>
             <a:endParaRPr lang="en-US"/>
           </a:p>
@@ -3203,7 +3203,7 @@
           <a:p>
             <a:fld id="{1D246110-1AFE-46FC-81E2-1EBF9B394E7D}" type="datetimeFigureOut">
               <a:rPr lang="en-US" smtClean="0"/>
-              <a:t>12/28/2020</a:t>
+              <a:t>12/29/2020</a:t>
             </a:fld>
             <a:endParaRPr lang="en-US"/>
           </a:p>
@@ -3444,7 +3444,7 @@
           <a:p>
             <a:fld id="{1D246110-1AFE-46FC-81E2-1EBF9B394E7D}" type="datetimeFigureOut">
               <a:rPr lang="en-US" smtClean="0"/>
-              <a:t>12/28/2020</a:t>
+              <a:t>12/29/2020</a:t>
             </a:fld>
             <a:endParaRPr lang="en-US"/>
           </a:p>
@@ -4490,7 +4490,7 @@
         </p:nvSpPr>
         <p:spPr>
           <a:xfrm>
-            <a:off x="3494200" y="1527142"/>
+            <a:off x="496476" y="1951100"/>
             <a:ext cx="5203596" cy="4524315"/>
           </a:xfrm>
           <a:prstGeom prst="rect">
@@ -4644,6 +4644,154 @@
               <a:rPr lang="en-US" dirty="0"/>
               <a:t> </a:t>
             </a:r>
+          </a:p>
+          <a:p>
+            <a:pPr marL="285750" indent="-285750">
+              <a:buFontTx/>
+              <a:buChar char="-"/>
+            </a:pPr>
+            <a:endParaRPr lang="en-US" dirty="0"/>
+          </a:p>
+          <a:p>
+            <a:pPr marL="285750" indent="-285750">
+              <a:buFontTx/>
+              <a:buChar char="-"/>
+            </a:pPr>
+            <a:endParaRPr lang="en-US" dirty="0"/>
+          </a:p>
+          <a:p>
+            <a:pPr marL="285750" indent="-285750">
+              <a:buFontTx/>
+              <a:buChar char="-"/>
+            </a:pPr>
+            <a:endParaRPr lang="en-US" dirty="0"/>
+          </a:p>
+        </p:txBody>
+      </p:sp>
+      <p:sp>
+        <p:nvSpPr>
+          <p:cNvPr id="4" name="TextBox 3">
+            <a:extLst>
+              <a:ext uri="{FF2B5EF4-FFF2-40B4-BE49-F238E27FC236}">
+                <a16:creationId xmlns:a16="http://schemas.microsoft.com/office/drawing/2014/main" id="{A544255B-D2A0-4315-B67F-B3B84FE6F323}"/>
+              </a:ext>
+            </a:extLst>
+          </p:cNvPr>
+          <p:cNvSpPr txBox="1"/>
+          <p:nvPr/>
+        </p:nvSpPr>
+        <p:spPr>
+          <a:xfrm>
+            <a:off x="5231876" y="1951099"/>
+            <a:ext cx="6683604" cy="3139321"/>
+          </a:xfrm>
+          <a:prstGeom prst="rect">
+            <a:avLst/>
+          </a:prstGeom>
+          <a:noFill/>
+        </p:spPr>
+        <p:txBody>
+          <a:bodyPr wrap="square" rtlCol="0">
+            <a:spAutoFit/>
+          </a:bodyPr>
+          <a:lstStyle/>
+          <a:p>
+            <a:pPr marL="285750" indent="-285750">
+              <a:buFontTx/>
+              <a:buChar char="-"/>
+            </a:pPr>
+            <a:r>
+              <a:rPr lang="en-US" dirty="0">
+                <a:hlinkClick r:id="rId9"/>
+              </a:rPr>
+              <a:t>https://jscomplete.com/playground/scopes</a:t>
+            </a:r>
+            <a:endParaRPr lang="en-US" dirty="0"/>
+          </a:p>
+          <a:p>
+            <a:pPr marL="285750" indent="-285750">
+              <a:buFontTx/>
+              <a:buChar char="-"/>
+            </a:pPr>
+            <a:r>
+              <a:rPr lang="en-US" dirty="0">
+                <a:hlinkClick r:id="rId10"/>
+              </a:rPr>
+              <a:t>https://jscomplete.com/playground/arrow-vs-regular-functions</a:t>
+            </a:r>
+            <a:endParaRPr lang="en-US" dirty="0"/>
+          </a:p>
+          <a:p>
+            <a:pPr marL="285750" indent="-285750">
+              <a:buFontTx/>
+              <a:buChar char="-"/>
+            </a:pPr>
+            <a:r>
+              <a:rPr lang="en-US" dirty="0">
+                <a:hlinkClick r:id="rId11"/>
+              </a:rPr>
+              <a:t>https://jscomplete.com/playground/object-literals</a:t>
+            </a:r>
+            <a:endParaRPr lang="en-US" dirty="0"/>
+          </a:p>
+          <a:p>
+            <a:pPr marL="285750" indent="-285750">
+              <a:buFontTx/>
+              <a:buChar char="-"/>
+            </a:pPr>
+            <a:r>
+              <a:rPr lang="en-US" dirty="0">
+                <a:hlinkClick r:id="rId12"/>
+              </a:rPr>
+              <a:t>https://jscomplete.com/playground/destructuring</a:t>
+            </a:r>
+            <a:endParaRPr lang="en-US" dirty="0"/>
+          </a:p>
+          <a:p>
+            <a:pPr marL="285750" indent="-285750">
+              <a:buFontTx/>
+              <a:buChar char="-"/>
+            </a:pPr>
+            <a:r>
+              <a:rPr lang="en-US" dirty="0">
+                <a:hlinkClick r:id="rId13"/>
+              </a:rPr>
+              <a:t>https://jscomplete.com/playground/template-strings</a:t>
+            </a:r>
+            <a:endParaRPr lang="en-US" dirty="0"/>
+          </a:p>
+          <a:p>
+            <a:pPr marL="285750" indent="-285750">
+              <a:buFontTx/>
+              <a:buChar char="-"/>
+            </a:pPr>
+            <a:r>
+              <a:rPr lang="en-US" dirty="0">
+                <a:hlinkClick r:id="rId14"/>
+              </a:rPr>
+              <a:t>https://jscomplete.com/playground/classes</a:t>
+            </a:r>
+            <a:endParaRPr lang="en-US" dirty="0"/>
+          </a:p>
+          <a:p>
+            <a:pPr marL="285750" indent="-285750">
+              <a:buFontTx/>
+              <a:buChar char="-"/>
+            </a:pPr>
+            <a:r>
+              <a:rPr lang="en-US" dirty="0">
+                <a:hlinkClick r:id="rId15"/>
+              </a:rPr>
+              <a:t>https://jscomplete.com/playground/promises</a:t>
+            </a:r>
+            <a:endParaRPr lang="en-US" dirty="0"/>
+          </a:p>
+          <a:p>
+            <a:pPr marL="285750" indent="-285750">
+              <a:buFontTx/>
+              <a:buChar char="-"/>
+            </a:pPr>
+            <a:endParaRPr lang="en-US" dirty="0"/>
           </a:p>
           <a:p>
             <a:pPr marL="285750" indent="-285750">

--- a/06. React/intro.pptx
+++ b/06. React/intro.pptx
@@ -5,7 +5,7 @@
     <p:sldMasterId id="2147483648" r:id="rId1"/>
   </p:sldMasterIdLst>
   <p:notesMasterIdLst>
-    <p:notesMasterId r:id="rId18"/>
+    <p:notesMasterId r:id="rId19"/>
   </p:notesMasterIdLst>
   <p:sldIdLst>
     <p:sldId id="256" r:id="rId2"/>
@@ -20,10 +20,11 @@
     <p:sldId id="260" r:id="rId11"/>
     <p:sldId id="270" r:id="rId12"/>
     <p:sldId id="264" r:id="rId13"/>
-    <p:sldId id="261" r:id="rId14"/>
-    <p:sldId id="271" r:id="rId15"/>
-    <p:sldId id="265" r:id="rId16"/>
-    <p:sldId id="269" r:id="rId17"/>
+    <p:sldId id="272" r:id="rId14"/>
+    <p:sldId id="261" r:id="rId15"/>
+    <p:sldId id="271" r:id="rId16"/>
+    <p:sldId id="265" r:id="rId17"/>
+    <p:sldId id="269" r:id="rId18"/>
   </p:sldIdLst>
   <p:sldSz cx="12192000" cy="6858000"/>
   <p:notesSz cx="6858000" cy="9144000"/>
@@ -212,7 +213,7 @@
           <a:p>
             <a:fld id="{9B6CEDBD-ABD0-4F11-BCD4-52A10CCACC27}" type="datetimeFigureOut">
               <a:rPr lang="en-US" smtClean="0"/>
-              <a:t>12/29/2020</a:t>
+              <a:t>1/6/2021</a:t>
             </a:fld>
             <a:endParaRPr lang="en-US"/>
           </a:p>
@@ -628,7 +629,7 @@
           <a:p>
             <a:fld id="{3D7C55BA-72B2-43C7-83F1-9F5AD4D380A4}" type="slidenum">
               <a:rPr lang="en-US" smtClean="0"/>
-              <a:t>15</a:t>
+              <a:t>16</a:t>
             </a:fld>
             <a:endParaRPr lang="en-US"/>
           </a:p>
@@ -794,7 +795,7 @@
           <a:p>
             <a:fld id="{1D246110-1AFE-46FC-81E2-1EBF9B394E7D}" type="datetimeFigureOut">
               <a:rPr lang="en-US" smtClean="0"/>
-              <a:t>12/29/2020</a:t>
+              <a:t>1/6/2021</a:t>
             </a:fld>
             <a:endParaRPr lang="en-US"/>
           </a:p>
@@ -992,7 +993,7 @@
           <a:p>
             <a:fld id="{1D246110-1AFE-46FC-81E2-1EBF9B394E7D}" type="datetimeFigureOut">
               <a:rPr lang="en-US" smtClean="0"/>
-              <a:t>12/29/2020</a:t>
+              <a:t>1/6/2021</a:t>
             </a:fld>
             <a:endParaRPr lang="en-US"/>
           </a:p>
@@ -1200,7 +1201,7 @@
           <a:p>
             <a:fld id="{1D246110-1AFE-46FC-81E2-1EBF9B394E7D}" type="datetimeFigureOut">
               <a:rPr lang="en-US" smtClean="0"/>
-              <a:t>12/29/2020</a:t>
+              <a:t>1/6/2021</a:t>
             </a:fld>
             <a:endParaRPr lang="en-US"/>
           </a:p>
@@ -1398,7 +1399,7 @@
           <a:p>
             <a:fld id="{1D246110-1AFE-46FC-81E2-1EBF9B394E7D}" type="datetimeFigureOut">
               <a:rPr lang="en-US" smtClean="0"/>
-              <a:t>12/29/2020</a:t>
+              <a:t>1/6/2021</a:t>
             </a:fld>
             <a:endParaRPr lang="en-US"/>
           </a:p>
@@ -1673,7 +1674,7 @@
           <a:p>
             <a:fld id="{1D246110-1AFE-46FC-81E2-1EBF9B394E7D}" type="datetimeFigureOut">
               <a:rPr lang="en-US" smtClean="0"/>
-              <a:t>12/29/2020</a:t>
+              <a:t>1/6/2021</a:t>
             </a:fld>
             <a:endParaRPr lang="en-US"/>
           </a:p>
@@ -1938,7 +1939,7 @@
           <a:p>
             <a:fld id="{1D246110-1AFE-46FC-81E2-1EBF9B394E7D}" type="datetimeFigureOut">
               <a:rPr lang="en-US" smtClean="0"/>
-              <a:t>12/29/2020</a:t>
+              <a:t>1/6/2021</a:t>
             </a:fld>
             <a:endParaRPr lang="en-US"/>
           </a:p>
@@ -2350,7 +2351,7 @@
           <a:p>
             <a:fld id="{1D246110-1AFE-46FC-81E2-1EBF9B394E7D}" type="datetimeFigureOut">
               <a:rPr lang="en-US" smtClean="0"/>
-              <a:t>12/29/2020</a:t>
+              <a:t>1/6/2021</a:t>
             </a:fld>
             <a:endParaRPr lang="en-US"/>
           </a:p>
@@ -2491,7 +2492,7 @@
           <a:p>
             <a:fld id="{1D246110-1AFE-46FC-81E2-1EBF9B394E7D}" type="datetimeFigureOut">
               <a:rPr lang="en-US" smtClean="0"/>
-              <a:t>12/29/2020</a:t>
+              <a:t>1/6/2021</a:t>
             </a:fld>
             <a:endParaRPr lang="en-US"/>
           </a:p>
@@ -2604,7 +2605,7 @@
           <a:p>
             <a:fld id="{1D246110-1AFE-46FC-81E2-1EBF9B394E7D}" type="datetimeFigureOut">
               <a:rPr lang="en-US" smtClean="0"/>
-              <a:t>12/29/2020</a:t>
+              <a:t>1/6/2021</a:t>
             </a:fld>
             <a:endParaRPr lang="en-US"/>
           </a:p>
@@ -2915,7 +2916,7 @@
           <a:p>
             <a:fld id="{1D246110-1AFE-46FC-81E2-1EBF9B394E7D}" type="datetimeFigureOut">
               <a:rPr lang="en-US" smtClean="0"/>
-              <a:t>12/29/2020</a:t>
+              <a:t>1/6/2021</a:t>
             </a:fld>
             <a:endParaRPr lang="en-US"/>
           </a:p>
@@ -3203,7 +3204,7 @@
           <a:p>
             <a:fld id="{1D246110-1AFE-46FC-81E2-1EBF9B394E7D}" type="datetimeFigureOut">
               <a:rPr lang="en-US" smtClean="0"/>
-              <a:t>12/29/2020</a:t>
+              <a:t>1/6/2021</a:t>
             </a:fld>
             <a:endParaRPr lang="en-US"/>
           </a:p>
@@ -3444,7 +3445,7 @@
           <a:p>
             <a:fld id="{1D246110-1AFE-46FC-81E2-1EBF9B394E7D}" type="datetimeFigureOut">
               <a:rPr lang="en-US" smtClean="0"/>
-              <a:t>12/29/2020</a:t>
+              <a:t>1/6/2021</a:t>
             </a:fld>
             <a:endParaRPr lang="en-US"/>
           </a:p>
@@ -4186,6 +4187,66 @@
           <p:cNvPr id="4" name="Picture 3">
             <a:extLst>
               <a:ext uri="{FF2B5EF4-FFF2-40B4-BE49-F238E27FC236}">
+                <a16:creationId xmlns:a16="http://schemas.microsoft.com/office/drawing/2014/main" id="{F294E18C-4FBF-4D69-96FA-997E0ACCC09F}"/>
+              </a:ext>
+            </a:extLst>
+          </p:cNvPr>
+          <p:cNvPicPr>
+            <a:picLocks noChangeAspect="1"/>
+          </p:cNvPicPr>
+          <p:nvPr/>
+        </p:nvPicPr>
+        <p:blipFill>
+          <a:blip r:embed="rId2"/>
+          <a:stretch>
+            <a:fillRect/>
+          </a:stretch>
+        </p:blipFill>
+        <p:spPr>
+          <a:xfrm>
+            <a:off x="139172" y="0"/>
+            <a:ext cx="11913656" cy="6858000"/>
+          </a:xfrm>
+          <a:prstGeom prst="rect">
+            <a:avLst/>
+          </a:prstGeom>
+        </p:spPr>
+      </p:pic>
+    </p:spTree>
+    <p:extLst>
+      <p:ext uri="{BB962C8B-B14F-4D97-AF65-F5344CB8AC3E}">
+        <p14:creationId xmlns:p14="http://schemas.microsoft.com/office/powerpoint/2010/main" val="3866055637"/>
+      </p:ext>
+    </p:extLst>
+  </p:cSld>
+  <p:clrMapOvr>
+    <a:masterClrMapping/>
+  </p:clrMapOvr>
+</p:sld>
+</file>
+
+<file path=ppt/slides/slide14.xml><?xml version="1.0" encoding="utf-8"?>
+<p:sld xmlns:a="http://schemas.openxmlformats.org/drawingml/2006/main" xmlns:r="http://schemas.openxmlformats.org/officeDocument/2006/relationships" xmlns:p="http://schemas.openxmlformats.org/presentationml/2006/main">
+  <p:cSld>
+    <p:spTree>
+      <p:nvGrpSpPr>
+        <p:cNvPr id="1" name=""/>
+        <p:cNvGrpSpPr/>
+        <p:nvPr/>
+      </p:nvGrpSpPr>
+      <p:grpSpPr>
+        <a:xfrm>
+          <a:off x="0" y="0"/>
+          <a:ext cx="0" cy="0"/>
+          <a:chOff x="0" y="0"/>
+          <a:chExt cx="0" cy="0"/>
+        </a:xfrm>
+      </p:grpSpPr>
+      <p:pic>
+        <p:nvPicPr>
+          <p:cNvPr id="4" name="Picture 3">
+            <a:extLst>
+              <a:ext uri="{FF2B5EF4-FFF2-40B4-BE49-F238E27FC236}">
                 <a16:creationId xmlns:a16="http://schemas.microsoft.com/office/drawing/2014/main" id="{3024A839-9A75-46CF-8E42-25FD30408055}"/>
               </a:ext>
             </a:extLst>
@@ -4224,7 +4285,7 @@
 </p:sld>
 </file>
 
-<file path=ppt/slides/slide14.xml><?xml version="1.0" encoding="utf-8"?>
+<file path=ppt/slides/slide15.xml><?xml version="1.0" encoding="utf-8"?>
 <p:sld xmlns:a="http://schemas.openxmlformats.org/drawingml/2006/main" xmlns:r="http://schemas.openxmlformats.org/officeDocument/2006/relationships" xmlns:p="http://schemas.openxmlformats.org/presentationml/2006/main">
   <p:cSld>
     <p:spTree>
@@ -4314,7 +4375,7 @@
 </p:sld>
 </file>
 
-<file path=ppt/slides/slide15.xml><?xml version="1.0" encoding="utf-8"?>
+<file path=ppt/slides/slide16.xml><?xml version="1.0" encoding="utf-8"?>
 <p:sld xmlns:a="http://schemas.openxmlformats.org/drawingml/2006/main" xmlns:r="http://schemas.openxmlformats.org/officeDocument/2006/relationships" xmlns:p="http://schemas.openxmlformats.org/presentationml/2006/main">
   <p:cSld>
     <p:spTree>
@@ -4374,7 +4435,7 @@
 </p:sld>
 </file>
 
-<file path=ppt/slides/slide16.xml><?xml version="1.0" encoding="utf-8"?>
+<file path=ppt/slides/slide17.xml><?xml version="1.0" encoding="utf-8"?>
 <p:sld xmlns:a="http://schemas.openxmlformats.org/drawingml/2006/main" xmlns:r="http://schemas.openxmlformats.org/officeDocument/2006/relationships" xmlns:p="http://schemas.openxmlformats.org/presentationml/2006/main">
   <p:cSld>
     <p:spTree>

--- a/06. React/intro.pptx
+++ b/06. React/intro.pptx
@@ -5,7 +5,7 @@
     <p:sldMasterId id="2147483648" r:id="rId1"/>
   </p:sldMasterIdLst>
   <p:notesMasterIdLst>
-    <p:notesMasterId r:id="rId19"/>
+    <p:notesMasterId r:id="rId18"/>
   </p:notesMasterIdLst>
   <p:sldIdLst>
     <p:sldId id="256" r:id="rId2"/>
@@ -21,10 +21,9 @@
     <p:sldId id="270" r:id="rId12"/>
     <p:sldId id="264" r:id="rId13"/>
     <p:sldId id="272" r:id="rId14"/>
-    <p:sldId id="261" r:id="rId15"/>
-    <p:sldId id="271" r:id="rId16"/>
-    <p:sldId id="265" r:id="rId17"/>
-    <p:sldId id="269" r:id="rId18"/>
+    <p:sldId id="271" r:id="rId15"/>
+    <p:sldId id="265" r:id="rId16"/>
+    <p:sldId id="269" r:id="rId17"/>
   </p:sldIdLst>
   <p:sldSz cx="12192000" cy="6858000"/>
   <p:notesSz cx="6858000" cy="9144000"/>
@@ -213,7 +212,7 @@
           <a:p>
             <a:fld id="{9B6CEDBD-ABD0-4F11-BCD4-52A10CCACC27}" type="datetimeFigureOut">
               <a:rPr lang="en-US" smtClean="0"/>
-              <a:t>1/6/2021</a:t>
+              <a:t>4/1/2022</a:t>
             </a:fld>
             <a:endParaRPr lang="en-US"/>
           </a:p>
@@ -629,7 +628,7 @@
           <a:p>
             <a:fld id="{3D7C55BA-72B2-43C7-83F1-9F5AD4D380A4}" type="slidenum">
               <a:rPr lang="en-US" smtClean="0"/>
-              <a:t>16</a:t>
+              <a:t>15</a:t>
             </a:fld>
             <a:endParaRPr lang="en-US"/>
           </a:p>
@@ -795,7 +794,7 @@
           <a:p>
             <a:fld id="{1D246110-1AFE-46FC-81E2-1EBF9B394E7D}" type="datetimeFigureOut">
               <a:rPr lang="en-US" smtClean="0"/>
-              <a:t>1/6/2021</a:t>
+              <a:t>4/1/2022</a:t>
             </a:fld>
             <a:endParaRPr lang="en-US"/>
           </a:p>
@@ -993,7 +992,7 @@
           <a:p>
             <a:fld id="{1D246110-1AFE-46FC-81E2-1EBF9B394E7D}" type="datetimeFigureOut">
               <a:rPr lang="en-US" smtClean="0"/>
-              <a:t>1/6/2021</a:t>
+              <a:t>4/1/2022</a:t>
             </a:fld>
             <a:endParaRPr lang="en-US"/>
           </a:p>
@@ -1201,7 +1200,7 @@
           <a:p>
             <a:fld id="{1D246110-1AFE-46FC-81E2-1EBF9B394E7D}" type="datetimeFigureOut">
               <a:rPr lang="en-US" smtClean="0"/>
-              <a:t>1/6/2021</a:t>
+              <a:t>4/1/2022</a:t>
             </a:fld>
             <a:endParaRPr lang="en-US"/>
           </a:p>
@@ -1399,7 +1398,7 @@
           <a:p>
             <a:fld id="{1D246110-1AFE-46FC-81E2-1EBF9B394E7D}" type="datetimeFigureOut">
               <a:rPr lang="en-US" smtClean="0"/>
-              <a:t>1/6/2021</a:t>
+              <a:t>4/1/2022</a:t>
             </a:fld>
             <a:endParaRPr lang="en-US"/>
           </a:p>
@@ -1674,7 +1673,7 @@
           <a:p>
             <a:fld id="{1D246110-1AFE-46FC-81E2-1EBF9B394E7D}" type="datetimeFigureOut">
               <a:rPr lang="en-US" smtClean="0"/>
-              <a:t>1/6/2021</a:t>
+              <a:t>4/1/2022</a:t>
             </a:fld>
             <a:endParaRPr lang="en-US"/>
           </a:p>
@@ -1939,7 +1938,7 @@
           <a:p>
             <a:fld id="{1D246110-1AFE-46FC-81E2-1EBF9B394E7D}" type="datetimeFigureOut">
               <a:rPr lang="en-US" smtClean="0"/>
-              <a:t>1/6/2021</a:t>
+              <a:t>4/1/2022</a:t>
             </a:fld>
             <a:endParaRPr lang="en-US"/>
           </a:p>
@@ -2351,7 +2350,7 @@
           <a:p>
             <a:fld id="{1D246110-1AFE-46FC-81E2-1EBF9B394E7D}" type="datetimeFigureOut">
               <a:rPr lang="en-US" smtClean="0"/>
-              <a:t>1/6/2021</a:t>
+              <a:t>4/1/2022</a:t>
             </a:fld>
             <a:endParaRPr lang="en-US"/>
           </a:p>
@@ -2492,7 +2491,7 @@
           <a:p>
             <a:fld id="{1D246110-1AFE-46FC-81E2-1EBF9B394E7D}" type="datetimeFigureOut">
               <a:rPr lang="en-US" smtClean="0"/>
-              <a:t>1/6/2021</a:t>
+              <a:t>4/1/2022</a:t>
             </a:fld>
             <a:endParaRPr lang="en-US"/>
           </a:p>
@@ -2605,7 +2604,7 @@
           <a:p>
             <a:fld id="{1D246110-1AFE-46FC-81E2-1EBF9B394E7D}" type="datetimeFigureOut">
               <a:rPr lang="en-US" smtClean="0"/>
-              <a:t>1/6/2021</a:t>
+              <a:t>4/1/2022</a:t>
             </a:fld>
             <a:endParaRPr lang="en-US"/>
           </a:p>
@@ -2916,7 +2915,7 @@
           <a:p>
             <a:fld id="{1D246110-1AFE-46FC-81E2-1EBF9B394E7D}" type="datetimeFigureOut">
               <a:rPr lang="en-US" smtClean="0"/>
-              <a:t>1/6/2021</a:t>
+              <a:t>4/1/2022</a:t>
             </a:fld>
             <a:endParaRPr lang="en-US"/>
           </a:p>
@@ -3204,7 +3203,7 @@
           <a:p>
             <a:fld id="{1D246110-1AFE-46FC-81E2-1EBF9B394E7D}" type="datetimeFigureOut">
               <a:rPr lang="en-US" smtClean="0"/>
-              <a:t>1/6/2021</a:t>
+              <a:t>4/1/2022</a:t>
             </a:fld>
             <a:endParaRPr lang="en-US"/>
           </a:p>
@@ -3445,7 +3444,7 @@
           <a:p>
             <a:fld id="{1D246110-1AFE-46FC-81E2-1EBF9B394E7D}" type="datetimeFigureOut">
               <a:rPr lang="en-US" smtClean="0"/>
-              <a:t>1/6/2021</a:t>
+              <a:t>4/1/2022</a:t>
             </a:fld>
             <a:endParaRPr lang="en-US"/>
           </a:p>
@@ -4212,6 +4211,41 @@
           </a:prstGeom>
         </p:spPr>
       </p:pic>
+      <p:sp>
+        <p:nvSpPr>
+          <p:cNvPr id="5" name="TextBox 4">
+            <a:extLst>
+              <a:ext uri="{FF2B5EF4-FFF2-40B4-BE49-F238E27FC236}">
+                <a16:creationId xmlns:a16="http://schemas.microsoft.com/office/drawing/2014/main" id="{D9599743-842E-4E37-804B-62629693D01F}"/>
+              </a:ext>
+            </a:extLst>
+          </p:cNvPr>
+          <p:cNvSpPr txBox="1"/>
+          <p:nvPr/>
+        </p:nvSpPr>
+        <p:spPr>
+          <a:xfrm>
+            <a:off x="1280604" y="5004332"/>
+            <a:ext cx="2288220" cy="369332"/>
+          </a:xfrm>
+          <a:prstGeom prst="rect">
+            <a:avLst/>
+          </a:prstGeom>
+          <a:noFill/>
+        </p:spPr>
+        <p:txBody>
+          <a:bodyPr wrap="square">
+            <a:spAutoFit/>
+          </a:bodyPr>
+          <a:lstStyle/>
+          <a:p>
+            <a:r>
+              <a:rPr lang="en-US" dirty="0"/>
+              <a:t>https://bg.reactjs.org/</a:t>
+            </a:r>
+          </a:p>
+        </p:txBody>
+      </p:sp>
     </p:spTree>
     <p:extLst>
       <p:ext uri="{BB962C8B-B14F-4D97-AF65-F5344CB8AC3E}">
@@ -4244,10 +4278,10 @@
       </p:grpSpPr>
       <p:pic>
         <p:nvPicPr>
-          <p:cNvPr id="4" name="Picture 3">
-            <a:extLst>
-              <a:ext uri="{FF2B5EF4-FFF2-40B4-BE49-F238E27FC236}">
-                <a16:creationId xmlns:a16="http://schemas.microsoft.com/office/drawing/2014/main" id="{3024A839-9A75-46CF-8E42-25FD30408055}"/>
+          <p:cNvPr id="5" name="Picture 4">
+            <a:extLst>
+              <a:ext uri="{FF2B5EF4-FFF2-40B4-BE49-F238E27FC236}">
+                <a16:creationId xmlns:a16="http://schemas.microsoft.com/office/drawing/2014/main" id="{21E50737-A06A-413B-A3AC-29960B90F302}"/>
               </a:ext>
             </a:extLst>
           </p:cNvPr>
@@ -4264,67 +4298,7 @@
         </p:blipFill>
         <p:spPr>
           <a:xfrm>
-            <a:off x="0" y="3317"/>
-            <a:ext cx="12192000" cy="6851365"/>
-          </a:xfrm>
-          <a:prstGeom prst="rect">
-            <a:avLst/>
-          </a:prstGeom>
-        </p:spPr>
-      </p:pic>
-    </p:spTree>
-    <p:extLst>
-      <p:ext uri="{BB962C8B-B14F-4D97-AF65-F5344CB8AC3E}">
-        <p14:creationId xmlns:p14="http://schemas.microsoft.com/office/powerpoint/2010/main" val="820111967"/>
-      </p:ext>
-    </p:extLst>
-  </p:cSld>
-  <p:clrMapOvr>
-    <a:masterClrMapping/>
-  </p:clrMapOvr>
-</p:sld>
-</file>
-
-<file path=ppt/slides/slide15.xml><?xml version="1.0" encoding="utf-8"?>
-<p:sld xmlns:a="http://schemas.openxmlformats.org/drawingml/2006/main" xmlns:r="http://schemas.openxmlformats.org/officeDocument/2006/relationships" xmlns:p="http://schemas.openxmlformats.org/presentationml/2006/main">
-  <p:cSld>
-    <p:spTree>
-      <p:nvGrpSpPr>
-        <p:cNvPr id="1" name=""/>
-        <p:cNvGrpSpPr/>
-        <p:nvPr/>
-      </p:nvGrpSpPr>
-      <p:grpSpPr>
-        <a:xfrm>
-          <a:off x="0" y="0"/>
-          <a:ext cx="0" cy="0"/>
-          <a:chOff x="0" y="0"/>
-          <a:chExt cx="0" cy="0"/>
-        </a:xfrm>
-      </p:grpSpPr>
-      <p:pic>
-        <p:nvPicPr>
-          <p:cNvPr id="5" name="Picture 4">
-            <a:extLst>
-              <a:ext uri="{FF2B5EF4-FFF2-40B4-BE49-F238E27FC236}">
-                <a16:creationId xmlns:a16="http://schemas.microsoft.com/office/drawing/2014/main" id="{21E50737-A06A-413B-A3AC-29960B90F302}"/>
-              </a:ext>
-            </a:extLst>
-          </p:cNvPr>
-          <p:cNvPicPr>
-            <a:picLocks noChangeAspect="1"/>
-          </p:cNvPicPr>
-          <p:nvPr/>
-        </p:nvPicPr>
-        <p:blipFill>
-          <a:blip r:embed="rId2"/>
-          <a:stretch>
-            <a:fillRect/>
-          </a:stretch>
-        </p:blipFill>
-        <p:spPr>
-          <a:xfrm>
-            <a:off x="2143125" y="146753"/>
+            <a:off x="2143124" y="238771"/>
             <a:ext cx="7905750" cy="3076575"/>
           </a:xfrm>
           <a:prstGeom prst="rect">
@@ -4354,7 +4328,7 @@
         </p:blipFill>
         <p:spPr>
           <a:xfrm>
-            <a:off x="1805753" y="3148174"/>
+            <a:off x="1509712" y="3209279"/>
             <a:ext cx="9172575" cy="3409950"/>
           </a:xfrm>
           <a:prstGeom prst="rect">
@@ -4375,7 +4349,7 @@
 </p:sld>
 </file>
 
-<file path=ppt/slides/slide16.xml><?xml version="1.0" encoding="utf-8"?>
+<file path=ppt/slides/slide15.xml><?xml version="1.0" encoding="utf-8"?>
 <p:sld xmlns:a="http://schemas.openxmlformats.org/drawingml/2006/main" xmlns:r="http://schemas.openxmlformats.org/officeDocument/2006/relationships" xmlns:p="http://schemas.openxmlformats.org/presentationml/2006/main">
   <p:cSld>
     <p:spTree>
@@ -4435,7 +4409,7 @@
 </p:sld>
 </file>
 
-<file path=ppt/slides/slide17.xml><?xml version="1.0" encoding="utf-8"?>
+<file path=ppt/slides/slide16.xml><?xml version="1.0" encoding="utf-8"?>
 <p:sld xmlns:a="http://schemas.openxmlformats.org/drawingml/2006/main" xmlns:r="http://schemas.openxmlformats.org/officeDocument/2006/relationships" xmlns:p="http://schemas.openxmlformats.org/presentationml/2006/main">
   <p:cSld>
     <p:spTree>
@@ -4551,7 +4525,7 @@
         </p:nvSpPr>
         <p:spPr>
           <a:xfrm>
-            <a:off x="496476" y="1951100"/>
+            <a:off x="6988404" y="1871200"/>
             <a:ext cx="5203596" cy="4524315"/>
           </a:xfrm>
           <a:prstGeom prst="rect">
@@ -4743,8 +4717,8 @@
         </p:nvSpPr>
         <p:spPr>
           <a:xfrm>
-            <a:off x="5231876" y="1951099"/>
-            <a:ext cx="6683604" cy="3139321"/>
+            <a:off x="315325" y="1871200"/>
+            <a:ext cx="6673079" cy="4801314"/>
           </a:xfrm>
           <a:prstGeom prst="rect">
             <a:avLst/>
@@ -4774,6 +4748,13 @@
               <a:buFontTx/>
               <a:buChar char="-"/>
             </a:pPr>
+            <a:endParaRPr lang="en-US" dirty="0"/>
+          </a:p>
+          <a:p>
+            <a:pPr marL="285750" indent="-285750">
+              <a:buFontTx/>
+              <a:buChar char="-"/>
+            </a:pPr>
             <a:r>
               <a:rPr lang="en-US" dirty="0">
                 <a:hlinkClick r:id="rId10"/>
@@ -4787,6 +4768,13 @@
               <a:buFontTx/>
               <a:buChar char="-"/>
             </a:pPr>
+            <a:endParaRPr lang="en-US" dirty="0"/>
+          </a:p>
+          <a:p>
+            <a:pPr marL="285750" indent="-285750">
+              <a:buFontTx/>
+              <a:buChar char="-"/>
+            </a:pPr>
             <a:r>
               <a:rPr lang="en-US" dirty="0">
                 <a:hlinkClick r:id="rId11"/>
@@ -4800,6 +4788,13 @@
               <a:buFontTx/>
               <a:buChar char="-"/>
             </a:pPr>
+            <a:endParaRPr lang="en-US" dirty="0"/>
+          </a:p>
+          <a:p>
+            <a:pPr marL="285750" indent="-285750">
+              <a:buFontTx/>
+              <a:buChar char="-"/>
+            </a:pPr>
             <a:r>
               <a:rPr lang="en-US" dirty="0">
                 <a:hlinkClick r:id="rId12"/>
@@ -4813,6 +4808,13 @@
               <a:buFontTx/>
               <a:buChar char="-"/>
             </a:pPr>
+            <a:endParaRPr lang="en-US" dirty="0"/>
+          </a:p>
+          <a:p>
+            <a:pPr marL="285750" indent="-285750">
+              <a:buFontTx/>
+              <a:buChar char="-"/>
+            </a:pPr>
             <a:r>
               <a:rPr lang="en-US" dirty="0">
                 <a:hlinkClick r:id="rId13"/>
@@ -4826,12 +4828,26 @@
               <a:buFontTx/>
               <a:buChar char="-"/>
             </a:pPr>
+            <a:endParaRPr lang="en-US" dirty="0"/>
+          </a:p>
+          <a:p>
+            <a:pPr marL="285750" indent="-285750">
+              <a:buFontTx/>
+              <a:buChar char="-"/>
+            </a:pPr>
             <a:r>
               <a:rPr lang="en-US" dirty="0">
                 <a:hlinkClick r:id="rId14"/>
               </a:rPr>
               <a:t>https://jscomplete.com/playground/classes</a:t>
             </a:r>
+            <a:endParaRPr lang="en-US" dirty="0"/>
+          </a:p>
+          <a:p>
+            <a:pPr marL="285750" indent="-285750">
+              <a:buFontTx/>
+              <a:buChar char="-"/>
+            </a:pPr>
             <a:endParaRPr lang="en-US" dirty="0"/>
           </a:p>
           <a:p>
